--- a/CPE Electives (1 - 3)/01. Lectures Notebook/00. Presentations & Text Books/01. Electives 1 to 3/03.0 Data Visualization.pptx
+++ b/CPE Electives (1 - 3)/01. Lectures Notebook/00. Presentations & Text Books/01. Electives 1 to 3/03.0 Data Visualization.pptx
@@ -121,7 +121,7 @@
   </p:defaultTextStyle>
   <p:extLst>
     <p:ext uri="{EFAFB233-063F-42B5-8137-9DF3F51BA10A}">
-      <p15:sldGuideLst xmlns="" xmlns:p15="http://schemas.microsoft.com/office/powerpoint/2012/main">
+      <p15:sldGuideLst xmlns:p15="http://schemas.microsoft.com/office/powerpoint/2012/main" xmlns="">
         <p15:guide id="1" orient="horz" pos="2160">
           <p15:clr>
             <a:srgbClr val="A4A3A4"/>
@@ -135,7 +135,7 @@
       </p15:sldGuideLst>
     </p:ext>
     <p:ext uri="{2D200454-40CA-4A62-9FC3-DE9A4176ACB9}">
-      <p15:notesGuideLst xmlns="" xmlns:p15="http://schemas.microsoft.com/office/powerpoint/2012/main">
+      <p15:notesGuideLst xmlns:p15="http://schemas.microsoft.com/office/powerpoint/2012/main" xmlns="">
         <p15:guide id="1" orient="horz" pos="2880">
           <p15:clr>
             <a:srgbClr val="A4A3A4"/>
@@ -234,7 +234,7 @@
           <a:p>
             <a:fld id="{3B6B94FD-5702-4F25-9A4D-07294FF3292C}" type="datetimeFigureOut">
               <a:rPr lang="en-PH" smtClean="0"/>
-              <a:t>29/10/2024</a:t>
+              <a:t>02/12/2024</a:t>
             </a:fld>
             <a:endParaRPr lang="en-PH"/>
           </a:p>
@@ -399,7 +399,7 @@
           <a:p>
             <a:fld id="{8365AC51-C568-4371-A28D-D14CF2BCF8BA}" type="datetimeFigureOut">
               <a:rPr lang="en-US" smtClean="0"/>
-              <a:t>10/29/2024</a:t>
+              <a:t>12/2/2024</a:t>
             </a:fld>
             <a:endParaRPr lang="en-US"/>
           </a:p>
@@ -1216,7 +1216,7 @@
           <p:cNvPr id="7" name="Footer Placeholder 4">
             <a:extLst>
               <a:ext uri="{FF2B5EF4-FFF2-40B4-BE49-F238E27FC236}">
-                <a16:creationId xmlns="" xmlns:a16="http://schemas.microsoft.com/office/drawing/2014/main" id="{D057E4A9-8BC1-4D03-B0CD-00353C3D487D}"/>
+                <a16:creationId xmlns:a16="http://schemas.microsoft.com/office/drawing/2014/main" xmlns="" id="{D057E4A9-8BC1-4D03-B0CD-00353C3D487D}"/>
               </a:ext>
             </a:extLst>
           </p:cNvPr>
@@ -6075,7 +6075,7 @@
   <a:extraClrSchemeLst/>
   <a:extLst>
     <a:ext uri="{05A4C25C-085E-4340-85A3-A5531E510DB2}">
-      <thm15:themeFamily xmlns="" xmlns:thm15="http://schemas.microsoft.com/office/thememl/2012/main" name="Office Theme" id="{62F939B6-93AF-4DB8-9C6B-D6C7DFDC589F}" vid="{4A3C46E8-61CC-4603-A589-7422A47A8E4A}"/>
+      <thm15:themeFamily xmlns:thm15="http://schemas.microsoft.com/office/thememl/2012/main" xmlns="" name="Office Theme" id="{62F939B6-93AF-4DB8-9C6B-D6C7DFDC589F}" vid="{4A3C46E8-61CC-4603-A589-7422A47A8E4A}"/>
     </a:ext>
   </a:extLst>
 </a:theme>
